--- a/contexte.pptx
+++ b/contexte.pptx
@@ -10,7 +10,8 @@
     <p:sldId id="262" r:id="rId4"/>
     <p:sldId id="259" r:id="rId5"/>
     <p:sldId id="260" r:id="rId6"/>
-    <p:sldId id="261" r:id="rId7"/>
+    <p:sldId id="263" r:id="rId7"/>
+    <p:sldId id="261" r:id="rId8"/>
   </p:sldIdLst>
   <p:sldSz cx="12192000" cy="6858000"/>
   <p:notesSz cx="6858000" cy="9144000"/>
@@ -109,6 +110,11 @@
       </a:defRPr>
     </a:lvl9pPr>
   </p:defaultTextStyle>
+  <p:extLst>
+    <p:ext uri="{EFAFB233-063F-42B5-8137-9DF3F51BA10A}">
+      <p15:sldGuideLst xmlns:p15="http://schemas.microsoft.com/office/powerpoint/2012/main"/>
+    </p:ext>
+  </p:extLst>
 </p:presentation>
 </file>
 
@@ -259,7 +265,7 @@
           <a:p>
             <a:fld id="{04555FB1-0894-4D0B-B3DE-6031434BA94C}" type="datetimeFigureOut">
               <a:rPr lang="fr-FR" smtClean="0"/>
-              <a:t>24/01/2020</a:t>
+              <a:t>31/01/2020</a:t>
             </a:fld>
             <a:endParaRPr lang="fr-FR"/>
           </a:p>
@@ -457,7 +463,7 @@
           <a:p>
             <a:fld id="{04555FB1-0894-4D0B-B3DE-6031434BA94C}" type="datetimeFigureOut">
               <a:rPr lang="fr-FR" smtClean="0"/>
-              <a:t>24/01/2020</a:t>
+              <a:t>31/01/2020</a:t>
             </a:fld>
             <a:endParaRPr lang="fr-FR"/>
           </a:p>
@@ -665,7 +671,7 @@
           <a:p>
             <a:fld id="{04555FB1-0894-4D0B-B3DE-6031434BA94C}" type="datetimeFigureOut">
               <a:rPr lang="fr-FR" smtClean="0"/>
-              <a:t>24/01/2020</a:t>
+              <a:t>31/01/2020</a:t>
             </a:fld>
             <a:endParaRPr lang="fr-FR"/>
           </a:p>
@@ -863,7 +869,7 @@
           <a:p>
             <a:fld id="{04555FB1-0894-4D0B-B3DE-6031434BA94C}" type="datetimeFigureOut">
               <a:rPr lang="fr-FR" smtClean="0"/>
-              <a:t>24/01/2020</a:t>
+              <a:t>31/01/2020</a:t>
             </a:fld>
             <a:endParaRPr lang="fr-FR"/>
           </a:p>
@@ -1138,7 +1144,7 @@
           <a:p>
             <a:fld id="{04555FB1-0894-4D0B-B3DE-6031434BA94C}" type="datetimeFigureOut">
               <a:rPr lang="fr-FR" smtClean="0"/>
-              <a:t>24/01/2020</a:t>
+              <a:t>31/01/2020</a:t>
             </a:fld>
             <a:endParaRPr lang="fr-FR"/>
           </a:p>
@@ -1403,7 +1409,7 @@
           <a:p>
             <a:fld id="{04555FB1-0894-4D0B-B3DE-6031434BA94C}" type="datetimeFigureOut">
               <a:rPr lang="fr-FR" smtClean="0"/>
-              <a:t>24/01/2020</a:t>
+              <a:t>31/01/2020</a:t>
             </a:fld>
             <a:endParaRPr lang="fr-FR"/>
           </a:p>
@@ -1815,7 +1821,7 @@
           <a:p>
             <a:fld id="{04555FB1-0894-4D0B-B3DE-6031434BA94C}" type="datetimeFigureOut">
               <a:rPr lang="fr-FR" smtClean="0"/>
-              <a:t>24/01/2020</a:t>
+              <a:t>31/01/2020</a:t>
             </a:fld>
             <a:endParaRPr lang="fr-FR"/>
           </a:p>
@@ -1956,7 +1962,7 @@
           <a:p>
             <a:fld id="{04555FB1-0894-4D0B-B3DE-6031434BA94C}" type="datetimeFigureOut">
               <a:rPr lang="fr-FR" smtClean="0"/>
-              <a:t>24/01/2020</a:t>
+              <a:t>31/01/2020</a:t>
             </a:fld>
             <a:endParaRPr lang="fr-FR"/>
           </a:p>
@@ -2069,7 +2075,7 @@
           <a:p>
             <a:fld id="{04555FB1-0894-4D0B-B3DE-6031434BA94C}" type="datetimeFigureOut">
               <a:rPr lang="fr-FR" smtClean="0"/>
-              <a:t>24/01/2020</a:t>
+              <a:t>31/01/2020</a:t>
             </a:fld>
             <a:endParaRPr lang="fr-FR"/>
           </a:p>
@@ -2380,7 +2386,7 @@
           <a:p>
             <a:fld id="{04555FB1-0894-4D0B-B3DE-6031434BA94C}" type="datetimeFigureOut">
               <a:rPr lang="fr-FR" smtClean="0"/>
-              <a:t>24/01/2020</a:t>
+              <a:t>31/01/2020</a:t>
             </a:fld>
             <a:endParaRPr lang="fr-FR"/>
           </a:p>
@@ -2668,7 +2674,7 @@
           <a:p>
             <a:fld id="{04555FB1-0894-4D0B-B3DE-6031434BA94C}" type="datetimeFigureOut">
               <a:rPr lang="fr-FR" smtClean="0"/>
-              <a:t>24/01/2020</a:t>
+              <a:t>31/01/2020</a:t>
             </a:fld>
             <a:endParaRPr lang="fr-FR"/>
           </a:p>
@@ -2909,7 +2915,7 @@
           <a:p>
             <a:fld id="{04555FB1-0894-4D0B-B3DE-6031434BA94C}" type="datetimeFigureOut">
               <a:rPr lang="fr-FR" smtClean="0"/>
-              <a:t>24/01/2020</a:t>
+              <a:t>31/01/2020</a:t>
             </a:fld>
             <a:endParaRPr lang="fr-FR"/>
           </a:p>
@@ -3312,6 +3318,14 @@
 <file path=ppt/slides/slide1.xml><?xml version="1.0" encoding="utf-8"?>
 <p:sld xmlns:a="http://schemas.openxmlformats.org/drawingml/2006/main" xmlns:r="http://schemas.openxmlformats.org/officeDocument/2006/relationships" xmlns:p="http://schemas.openxmlformats.org/presentationml/2006/main">
   <p:cSld>
+    <p:bg>
+      <p:bgPr>
+        <a:solidFill>
+          <a:schemeClr val="bg1"/>
+        </a:solidFill>
+        <a:effectLst/>
+      </p:bgPr>
+    </p:bg>
     <p:spTree>
       <p:nvGrpSpPr>
         <p:cNvPr id="1" name=""/>
@@ -3328,39 +3342,170 @@
       </p:grpSpPr>
       <p:sp>
         <p:nvSpPr>
-          <p:cNvPr id="2" name="Titre 1">
-            <a:extLst>
-              <a:ext uri="{FF2B5EF4-FFF2-40B4-BE49-F238E27FC236}">
-                <a16:creationId xmlns:a16="http://schemas.microsoft.com/office/drawing/2014/main" id="{D658F8AC-A28B-4A37-8E16-B8895C4F88B7}"/>
-              </a:ext>
-            </a:extLst>
-          </p:cNvPr>
-          <p:cNvSpPr>
-            <a:spLocks noGrp="1"/>
-          </p:cNvSpPr>
-          <p:nvPr>
-            <p:ph type="ctrTitle"/>
+          <p:cNvPr id="8" name="Rectangle 7">
+            <a:extLst>
+              <a:ext uri="{FF2B5EF4-FFF2-40B4-BE49-F238E27FC236}">
+                <a16:creationId xmlns:a16="http://schemas.microsoft.com/office/drawing/2014/main" id="{23962611-DFD5-4092-AAFD-559E3DFCE2C9}"/>
+              </a:ext>
+              <a:ext uri="{C183D7F6-B498-43B3-948B-1728B52AA6E4}">
+                <adec:decorative xmlns:adec="http://schemas.microsoft.com/office/drawing/2017/decorative" val="1"/>
+              </a:ext>
+            </a:extLst>
+          </p:cNvPr>
+          <p:cNvSpPr>
+            <a:spLocks noGrp="1" noRot="1" noChangeAspect="1" noMove="1" noResize="1" noEditPoints="1" noAdjustHandles="1" noChangeArrowheads="1" noChangeShapeType="1" noTextEdit="1"/>
+          </p:cNvSpPr>
+          <p:nvPr>
+            <p:extLst>
+              <p:ext uri="{386F3935-93C4-4BCD-93E2-E3B085C9AB24}">
+                <p16:designElem xmlns:p16="http://schemas.microsoft.com/office/powerpoint/2015/main" val="1"/>
+              </p:ext>
+            </p:extLst>
           </p:nvPr>
         </p:nvSpPr>
         <p:spPr>
           <a:xfrm>
-            <a:off x="1524000" y="1122363"/>
-            <a:ext cx="9144000" cy="2387600"/>
+            <a:off x="475488" y="0"/>
+            <a:ext cx="10910292" cy="6858000"/>
+          </a:xfrm>
+          <a:prstGeom prst="rect">
+            <a:avLst/>
+          </a:prstGeom>
+          <a:gradFill>
+            <a:gsLst>
+              <a:gs pos="0">
+                <a:schemeClr val="accent1">
+                  <a:lumMod val="90000"/>
+                </a:schemeClr>
+              </a:gs>
+              <a:gs pos="25000">
+                <a:schemeClr val="accent1">
+                  <a:lumMod val="90000"/>
+                </a:schemeClr>
+              </a:gs>
+              <a:gs pos="94000">
+                <a:schemeClr val="bg2">
+                  <a:lumMod val="25000"/>
+                </a:schemeClr>
+              </a:gs>
+              <a:gs pos="100000">
+                <a:schemeClr val="bg2">
+                  <a:lumMod val="25000"/>
+                </a:schemeClr>
+              </a:gs>
+            </a:gsLst>
+            <a:lin ang="4200000" scaled="0"/>
+          </a:gradFill>
+          <a:ln>
+            <a:noFill/>
+          </a:ln>
+        </p:spPr>
+        <p:style>
+          <a:lnRef idx="2">
+            <a:schemeClr val="accent1">
+              <a:shade val="50000"/>
+            </a:schemeClr>
+          </a:lnRef>
+          <a:fillRef idx="1">
+            <a:schemeClr val="accent1"/>
+          </a:fillRef>
+          <a:effectRef idx="0">
+            <a:schemeClr val="accent1"/>
+          </a:effectRef>
+          <a:fontRef idx="minor">
+            <a:schemeClr val="lt1"/>
+          </a:fontRef>
+        </p:style>
+        <p:txBody>
+          <a:bodyPr rtlCol="0" anchor="ctr"/>
+          <a:lstStyle/>
+          <a:p>
+            <a:pPr algn="ctr"/>
+            <a:endParaRPr lang="en-US"/>
+          </a:p>
+        </p:txBody>
+      </p:sp>
+      <p:pic>
+        <p:nvPicPr>
+          <p:cNvPr id="10" name="Picture 9">
+            <a:extLst>
+              <a:ext uri="{FF2B5EF4-FFF2-40B4-BE49-F238E27FC236}">
+                <a16:creationId xmlns:a16="http://schemas.microsoft.com/office/drawing/2014/main" id="{2270F1FA-0425-408F-9861-80BF5AFB276D}"/>
+              </a:ext>
+              <a:ext uri="{C183D7F6-B498-43B3-948B-1728B52AA6E4}">
+                <adec:decorative xmlns:adec="http://schemas.microsoft.com/office/drawing/2017/decorative" val="1"/>
+              </a:ext>
+            </a:extLst>
+          </p:cNvPr>
+          <p:cNvPicPr>
+            <a:picLocks noGrp="1" noRot="1" noChangeAspect="1" noMove="1" noResize="1" noEditPoints="1" noAdjustHandles="1" noChangeArrowheads="1" noChangeShapeType="1" noCrop="1"/>
+          </p:cNvPicPr>
+          <p:nvPr>
+            <p:extLst>
+              <p:ext uri="{386F3935-93C4-4BCD-93E2-E3B085C9AB24}">
+                <p16:designElem xmlns:p16="http://schemas.microsoft.com/office/powerpoint/2015/main" val="1"/>
+              </p:ext>
+            </p:extLst>
+          </p:nvPr>
+        </p:nvPicPr>
+        <p:blipFill>
+          <a:blip r:embed="rId2">
+            <a:extLst>
+              <a:ext uri="{28A0092B-C50C-407E-A947-70E740481C1C}">
+                <a14:useLocalDpi xmlns:a14="http://schemas.microsoft.com/office/drawing/2010/main" val="0"/>
+              </a:ext>
+            </a:extLst>
+          </a:blip>
+          <a:stretch>
+            <a:fillRect/>
+          </a:stretch>
+        </p:blipFill>
+        <p:spPr>
+          <a:xfrm>
+            <a:off x="0" y="0"/>
+            <a:ext cx="12192000" cy="6858000"/>
+          </a:xfrm>
+          <a:prstGeom prst="rect">
+            <a:avLst/>
+          </a:prstGeom>
+        </p:spPr>
+      </p:pic>
+      <p:sp>
+        <p:nvSpPr>
+          <p:cNvPr id="2" name="Titre 1">
+            <a:extLst>
+              <a:ext uri="{FF2B5EF4-FFF2-40B4-BE49-F238E27FC236}">
+                <a16:creationId xmlns:a16="http://schemas.microsoft.com/office/drawing/2014/main" id="{D658F8AC-A28B-4A37-8E16-B8895C4F88B7}"/>
+              </a:ext>
+            </a:extLst>
+          </p:cNvPr>
+          <p:cNvSpPr>
+            <a:spLocks noGrp="1"/>
+          </p:cNvSpPr>
+          <p:nvPr>
+            <p:ph type="ctrTitle"/>
+          </p:nvPr>
+        </p:nvSpPr>
+        <p:spPr>
+          <a:xfrm>
+            <a:off x="3045368" y="2043663"/>
+            <a:ext cx="6105194" cy="2031055"/>
           </a:xfrm>
         </p:spPr>
         <p:txBody>
-          <a:bodyPr/>
-          <a:lstStyle/>
-          <a:p>
-            <a:r>
-              <a:rPr lang="fr-FR" dirty="0"/>
-              <a:t>Analyse d’un </a:t>
-            </a:r>
-            <a:r>
-              <a:rPr lang="fr-FR" dirty="0" err="1"/>
-              <a:t>dataset</a:t>
-            </a:r>
-            <a:endParaRPr lang="fr-FR" dirty="0"/>
+          <a:bodyPr>
+            <a:normAutofit/>
+          </a:bodyPr>
+          <a:lstStyle/>
+          <a:p>
+            <a:r>
+              <a:rPr lang="fr-FR">
+                <a:solidFill>
+                  <a:srgbClr val="FFFFFF"/>
+                </a:solidFill>
+              </a:rPr>
+              <a:t>Analyse d’un dataset</a:t>
+            </a:r>
           </a:p>
         </p:txBody>
       </p:sp>
@@ -3380,16 +3525,31 @@
             <p:ph type="subTitle" idx="1"/>
           </p:nvPr>
         </p:nvSpPr>
-        <p:spPr/>
-        <p:txBody>
-          <a:bodyPr/>
-          <a:lstStyle/>
-          <a:p>
-            <a:r>
-              <a:rPr lang="en-US" b="1" dirty="0"/>
+        <p:spPr>
+          <a:xfrm>
+            <a:off x="3045368" y="4074718"/>
+            <a:ext cx="6105194" cy="682079"/>
+          </a:xfrm>
+        </p:spPr>
+        <p:txBody>
+          <a:bodyPr>
+            <a:normAutofit/>
+          </a:bodyPr>
+          <a:lstStyle/>
+          <a:p>
+            <a:r>
+              <a:rPr lang="en-US" sz="2000" b="1">
+                <a:solidFill>
+                  <a:srgbClr val="FFFFFF"/>
+                </a:solidFill>
+              </a:rPr>
               <a:t>Smartphone-Based Recognition of Human Activities and Postural Transitions Data Set</a:t>
             </a:r>
-            <a:endParaRPr lang="fr-FR" dirty="0"/>
+            <a:endParaRPr lang="fr-FR" sz="2000">
+              <a:solidFill>
+                <a:srgbClr val="FFFFFF"/>
+              </a:solidFill>
+            </a:endParaRPr>
           </a:p>
         </p:txBody>
       </p:sp>
@@ -3409,6 +3569,14 @@
 <file path=ppt/slides/slide2.xml><?xml version="1.0" encoding="utf-8"?>
 <p:sld xmlns:a="http://schemas.openxmlformats.org/drawingml/2006/main" xmlns:r="http://schemas.openxmlformats.org/officeDocument/2006/relationships" xmlns:p="http://schemas.openxmlformats.org/presentationml/2006/main">
   <p:cSld>
+    <p:bg>
+      <p:bgPr>
+        <a:solidFill>
+          <a:schemeClr val="bg1"/>
+        </a:solidFill>
+        <a:effectLst/>
+      </p:bgPr>
+    </p:bg>
     <p:spTree>
       <p:nvGrpSpPr>
         <p:cNvPr id="1" name=""/>
@@ -3425,6 +3593,128 @@
       </p:grpSpPr>
       <p:sp>
         <p:nvSpPr>
+          <p:cNvPr id="8" name="Rectangle 7">
+            <a:extLst>
+              <a:ext uri="{FF2B5EF4-FFF2-40B4-BE49-F238E27FC236}">
+                <a16:creationId xmlns:a16="http://schemas.microsoft.com/office/drawing/2014/main" id="{4351DFE5-F63D-4BE0-BDA9-E3EB88F01AA5}"/>
+              </a:ext>
+              <a:ext uri="{C183D7F6-B498-43B3-948B-1728B52AA6E4}">
+                <adec:decorative xmlns:adec="http://schemas.microsoft.com/office/drawing/2017/decorative" val="1"/>
+              </a:ext>
+            </a:extLst>
+          </p:cNvPr>
+          <p:cNvSpPr>
+            <a:spLocks noGrp="1" noRot="1" noChangeAspect="1" noMove="1" noResize="1" noEditPoints="1" noAdjustHandles="1" noChangeArrowheads="1" noChangeShapeType="1" noTextEdit="1"/>
+          </p:cNvSpPr>
+          <p:nvPr>
+            <p:extLst>
+              <p:ext uri="{386F3935-93C4-4BCD-93E2-E3B085C9AB24}">
+                <p16:designElem xmlns:p16="http://schemas.microsoft.com/office/powerpoint/2015/main" val="1"/>
+              </p:ext>
+            </p:extLst>
+          </p:nvPr>
+        </p:nvSpPr>
+        <p:spPr>
+          <a:xfrm>
+            <a:off x="355601" y="0"/>
+            <a:ext cx="11480494" cy="2753936"/>
+          </a:xfrm>
+          <a:prstGeom prst="rect">
+            <a:avLst/>
+          </a:prstGeom>
+          <a:gradFill>
+            <a:gsLst>
+              <a:gs pos="0">
+                <a:schemeClr val="accent4"/>
+              </a:gs>
+              <a:gs pos="25000">
+                <a:schemeClr val="accent4"/>
+              </a:gs>
+              <a:gs pos="94000">
+                <a:schemeClr val="accent2"/>
+              </a:gs>
+              <a:gs pos="100000">
+                <a:schemeClr val="accent2"/>
+              </a:gs>
+            </a:gsLst>
+            <a:lin ang="4200000" scaled="0"/>
+          </a:gradFill>
+          <a:ln>
+            <a:noFill/>
+          </a:ln>
+        </p:spPr>
+        <p:style>
+          <a:lnRef idx="2">
+            <a:schemeClr val="accent1">
+              <a:shade val="50000"/>
+            </a:schemeClr>
+          </a:lnRef>
+          <a:fillRef idx="1">
+            <a:schemeClr val="accent1"/>
+          </a:fillRef>
+          <a:effectRef idx="0">
+            <a:schemeClr val="accent1"/>
+          </a:effectRef>
+          <a:fontRef idx="minor">
+            <a:schemeClr val="lt1"/>
+          </a:fontRef>
+        </p:style>
+        <p:txBody>
+          <a:bodyPr rtlCol="0" anchor="ctr"/>
+          <a:lstStyle/>
+          <a:p>
+            <a:pPr algn="ctr"/>
+            <a:endParaRPr lang="en-US"/>
+          </a:p>
+        </p:txBody>
+      </p:sp>
+      <p:pic>
+        <p:nvPicPr>
+          <p:cNvPr id="10" name="Picture 9">
+            <a:extLst>
+              <a:ext uri="{FF2B5EF4-FFF2-40B4-BE49-F238E27FC236}">
+                <a16:creationId xmlns:a16="http://schemas.microsoft.com/office/drawing/2014/main" id="{3AA16612-ACD2-4A16-8F2B-4514FD6BF28F}"/>
+              </a:ext>
+              <a:ext uri="{C183D7F6-B498-43B3-948B-1728B52AA6E4}">
+                <adec:decorative xmlns:adec="http://schemas.microsoft.com/office/drawing/2017/decorative" val="1"/>
+              </a:ext>
+            </a:extLst>
+          </p:cNvPr>
+          <p:cNvPicPr>
+            <a:picLocks noGrp="1" noRot="1" noChangeAspect="1" noMove="1" noResize="1" noEditPoints="1" noAdjustHandles="1" noChangeArrowheads="1" noChangeShapeType="1" noCrop="1"/>
+          </p:cNvPicPr>
+          <p:nvPr>
+            <p:extLst>
+              <p:ext uri="{386F3935-93C4-4BCD-93E2-E3B085C9AB24}">
+                <p16:designElem xmlns:p16="http://schemas.microsoft.com/office/powerpoint/2015/main" val="1"/>
+              </p:ext>
+            </p:extLst>
+          </p:nvPr>
+        </p:nvPicPr>
+        <p:blipFill>
+          <a:blip r:embed="rId2">
+            <a:extLst>
+              <a:ext uri="{28A0092B-C50C-407E-A947-70E740481C1C}">
+                <a14:useLocalDpi xmlns:a14="http://schemas.microsoft.com/office/drawing/2010/main" val="0"/>
+              </a:ext>
+            </a:extLst>
+          </a:blip>
+          <a:stretch>
+            <a:fillRect/>
+          </a:stretch>
+        </p:blipFill>
+        <p:spPr>
+          <a:xfrm>
+            <a:off x="0" y="0"/>
+            <a:ext cx="12192000" cy="6858000"/>
+          </a:xfrm>
+          <a:prstGeom prst="rect">
+            <a:avLst/>
+          </a:prstGeom>
+        </p:spPr>
+      </p:pic>
+      <p:sp>
+        <p:nvSpPr>
           <p:cNvPr id="2" name="Titre 1">
             <a:extLst>
               <a:ext uri="{FF2B5EF4-FFF2-40B4-BE49-F238E27FC236}">
@@ -3439,20 +3729,27 @@
             <p:ph type="title"/>
           </p:nvPr>
         </p:nvSpPr>
-        <p:spPr/>
-        <p:txBody>
-          <a:bodyPr/>
-          <a:lstStyle/>
-          <a:p>
-            <a:r>
-              <a:rPr lang="fr-FR" dirty="0"/>
-              <a:t>Le contexte de l’</a:t>
-            </a:r>
-            <a:r>
-              <a:rPr lang="fr-FR" dirty="0" err="1"/>
-              <a:t>experience</a:t>
-            </a:r>
-            <a:endParaRPr lang="fr-FR" dirty="0"/>
+        <p:spPr>
+          <a:xfrm>
+            <a:off x="1179226" y="826680"/>
+            <a:ext cx="9833548" cy="1325563"/>
+          </a:xfrm>
+        </p:spPr>
+        <p:txBody>
+          <a:bodyPr>
+            <a:normAutofit/>
+          </a:bodyPr>
+          <a:lstStyle/>
+          <a:p>
+            <a:pPr algn="ctr"/>
+            <a:r>
+              <a:rPr lang="fr-FR" sz="4000">
+                <a:solidFill>
+                  <a:srgbClr val="FFFFFF"/>
+                </a:solidFill>
+              </a:rPr>
+              <a:t>Le contexte de l’expérience</a:t>
+            </a:r>
           </a:p>
         </p:txBody>
       </p:sp>
@@ -3472,48 +3769,25 @@
             <p:ph idx="1"/>
           </p:nvPr>
         </p:nvSpPr>
-        <p:spPr/>
+        <p:spPr>
+          <a:xfrm>
+            <a:off x="1179226" y="3092970"/>
+            <a:ext cx="9833548" cy="2693976"/>
+          </a:xfrm>
+        </p:spPr>
         <p:txBody>
           <a:bodyPr>
-            <a:normAutofit fontScale="92500" lnSpcReduction="20000"/>
+            <a:normAutofit/>
           </a:bodyPr>
           <a:lstStyle/>
           <a:p>
             <a:r>
-              <a:rPr lang="fr-FR" dirty="0"/>
-              <a:t>Les expériences ont été menées avec un groupe de 30 volontaires dans une tranche d'âge de 19-48 ans. Ils ont exécuté un protocole d'activités composé de six activités de base : trois postures statiques (debout, assis, couché) et trois activités dynamiques (marche, descente d’escaliers et montée d’escaliers). L'expérience a également inclus des transitions posturales qui se sont produites entre les postures statiques. Il s'agit de : stand-to-</a:t>
-            </a:r>
-            <a:r>
-              <a:rPr lang="fr-FR" dirty="0" err="1"/>
-              <a:t>sit</a:t>
-            </a:r>
-            <a:r>
-              <a:rPr lang="fr-FR" dirty="0"/>
-              <a:t>, </a:t>
-            </a:r>
-            <a:r>
-              <a:rPr lang="fr-FR" dirty="0" err="1"/>
-              <a:t>sit</a:t>
-            </a:r>
-            <a:r>
-              <a:rPr lang="fr-FR" dirty="0"/>
-              <a:t>-to-stand, </a:t>
-            </a:r>
-            <a:r>
-              <a:rPr lang="fr-FR" dirty="0" err="1"/>
-              <a:t>sit</a:t>
-            </a:r>
-            <a:r>
-              <a:rPr lang="fr-FR" dirty="0"/>
-              <a:t>-to-lie, lie-to-</a:t>
-            </a:r>
-            <a:r>
-              <a:rPr lang="fr-FR" dirty="0" err="1"/>
-              <a:t>sit</a:t>
-            </a:r>
-            <a:r>
-              <a:rPr lang="fr-FR" dirty="0"/>
-              <a:t>, stand-to-lie, and lie-to-stand. Tous les participants portaient un smartphone (Samsung Galaxy S II) à la taille pendant l'exécution de l'expérience. Nous avons capturé l'accélération linéaire 3-axiale et la vitesse angulaire 3-axiale à un taux constant de 50Hz utilisant l'accéléromètre intégré et le gyroscope de l'appareil. Les expériences ont été enregistrées par vidéo pour étiqueter manuellement les données. L'ensemble de données obtenu a été divisé au hasard en deux ensembles, où 70 % des volontaires ont été sélectionnés pour générer les données de formation et 30 % les données du test.</a:t>
+              <a:rPr lang="fr-FR" sz="1700" dirty="0">
+                <a:solidFill>
+                  <a:srgbClr val="000000"/>
+                </a:solidFill>
+              </a:rPr>
+              <a:t>Les expériences ont été menées avec un groupe de 30 volontaires dans une tranche d'âge de 19-48 ans. Ils ont exécuté un protocole d'activités composé de six activités de base : trois postures statiques (debout, assis, couché) et trois activités dynamiques (marche, descente d’escaliers et montée d’escaliers). L'expérience a également inclus des transitions posturales qui se sont produites entre les postures statiques. Il s'agit de : debout-vers-assis, assis-vers-debout, assis-vers-allongé, allongé-vers-assis, debout-vers-allongé, et allongé-vers-debout. Tous les participants portaient un smartphone (Samsung Galaxy S II) à la taille pendant l'exécution de l'expérience. Nous avons capturé l'accélération linéaire 3-axiale et la vitesse angulaire 3-axiale à un taux constant de 50Hz utilisant l'accéléromètre intégré et le gyroscope de l'appareil. Les expériences ont été enregistrées par vidéo pour étiqueter manuellement les données. L'ensemble de données obtenu a été divisé au hasard en deux ensembles, où 70 % des volontaires ont été sélectionnés pour générer les données de formation et 30 % les données du test.</a:t>
             </a:r>
           </a:p>
         </p:txBody>
@@ -3534,6 +3808,14 @@
 <file path=ppt/slides/slide3.xml><?xml version="1.0" encoding="utf-8"?>
 <p:sld xmlns:a="http://schemas.openxmlformats.org/drawingml/2006/main" xmlns:r="http://schemas.openxmlformats.org/officeDocument/2006/relationships" xmlns:p="http://schemas.openxmlformats.org/presentationml/2006/main">
   <p:cSld>
+    <p:bg>
+      <p:bgPr>
+        <a:solidFill>
+          <a:schemeClr val="bg1"/>
+        </a:solidFill>
+        <a:effectLst/>
+      </p:bgPr>
+    </p:bg>
     <p:spTree>
       <p:nvGrpSpPr>
         <p:cNvPr id="1" name=""/>
@@ -3550,6 +3832,128 @@
       </p:grpSpPr>
       <p:sp>
         <p:nvSpPr>
+          <p:cNvPr id="8" name="Rectangle 7">
+            <a:extLst>
+              <a:ext uri="{FF2B5EF4-FFF2-40B4-BE49-F238E27FC236}">
+                <a16:creationId xmlns:a16="http://schemas.microsoft.com/office/drawing/2014/main" id="{4351DFE5-F63D-4BE0-BDA9-E3EB88F01AA5}"/>
+              </a:ext>
+              <a:ext uri="{C183D7F6-B498-43B3-948B-1728B52AA6E4}">
+                <adec:decorative xmlns:adec="http://schemas.microsoft.com/office/drawing/2017/decorative" val="1"/>
+              </a:ext>
+            </a:extLst>
+          </p:cNvPr>
+          <p:cNvSpPr>
+            <a:spLocks noGrp="1" noRot="1" noChangeAspect="1" noMove="1" noResize="1" noEditPoints="1" noAdjustHandles="1" noChangeArrowheads="1" noChangeShapeType="1" noTextEdit="1"/>
+          </p:cNvSpPr>
+          <p:nvPr>
+            <p:extLst>
+              <p:ext uri="{386F3935-93C4-4BCD-93E2-E3B085C9AB24}">
+                <p16:designElem xmlns:p16="http://schemas.microsoft.com/office/powerpoint/2015/main" val="1"/>
+              </p:ext>
+            </p:extLst>
+          </p:nvPr>
+        </p:nvSpPr>
+        <p:spPr>
+          <a:xfrm>
+            <a:off x="355601" y="0"/>
+            <a:ext cx="11480494" cy="2753936"/>
+          </a:xfrm>
+          <a:prstGeom prst="rect">
+            <a:avLst/>
+          </a:prstGeom>
+          <a:gradFill>
+            <a:gsLst>
+              <a:gs pos="0">
+                <a:schemeClr val="accent4"/>
+              </a:gs>
+              <a:gs pos="25000">
+                <a:schemeClr val="accent4"/>
+              </a:gs>
+              <a:gs pos="94000">
+                <a:schemeClr val="accent2"/>
+              </a:gs>
+              <a:gs pos="100000">
+                <a:schemeClr val="accent2"/>
+              </a:gs>
+            </a:gsLst>
+            <a:lin ang="4200000" scaled="0"/>
+          </a:gradFill>
+          <a:ln>
+            <a:noFill/>
+          </a:ln>
+        </p:spPr>
+        <p:style>
+          <a:lnRef idx="2">
+            <a:schemeClr val="accent1">
+              <a:shade val="50000"/>
+            </a:schemeClr>
+          </a:lnRef>
+          <a:fillRef idx="1">
+            <a:schemeClr val="accent1"/>
+          </a:fillRef>
+          <a:effectRef idx="0">
+            <a:schemeClr val="accent1"/>
+          </a:effectRef>
+          <a:fontRef idx="minor">
+            <a:schemeClr val="lt1"/>
+          </a:fontRef>
+        </p:style>
+        <p:txBody>
+          <a:bodyPr rtlCol="0" anchor="ctr"/>
+          <a:lstStyle/>
+          <a:p>
+            <a:pPr algn="ctr"/>
+            <a:endParaRPr lang="en-US"/>
+          </a:p>
+        </p:txBody>
+      </p:sp>
+      <p:pic>
+        <p:nvPicPr>
+          <p:cNvPr id="10" name="Picture 9">
+            <a:extLst>
+              <a:ext uri="{FF2B5EF4-FFF2-40B4-BE49-F238E27FC236}">
+                <a16:creationId xmlns:a16="http://schemas.microsoft.com/office/drawing/2014/main" id="{3AA16612-ACD2-4A16-8F2B-4514FD6BF28F}"/>
+              </a:ext>
+              <a:ext uri="{C183D7F6-B498-43B3-948B-1728B52AA6E4}">
+                <adec:decorative xmlns:adec="http://schemas.microsoft.com/office/drawing/2017/decorative" val="1"/>
+              </a:ext>
+            </a:extLst>
+          </p:cNvPr>
+          <p:cNvPicPr>
+            <a:picLocks noGrp="1" noRot="1" noChangeAspect="1" noMove="1" noResize="1" noEditPoints="1" noAdjustHandles="1" noChangeArrowheads="1" noChangeShapeType="1" noCrop="1"/>
+          </p:cNvPicPr>
+          <p:nvPr>
+            <p:extLst>
+              <p:ext uri="{386F3935-93C4-4BCD-93E2-E3B085C9AB24}">
+                <p16:designElem xmlns:p16="http://schemas.microsoft.com/office/powerpoint/2015/main" val="1"/>
+              </p:ext>
+            </p:extLst>
+          </p:nvPr>
+        </p:nvPicPr>
+        <p:blipFill>
+          <a:blip r:embed="rId2">
+            <a:extLst>
+              <a:ext uri="{28A0092B-C50C-407E-A947-70E740481C1C}">
+                <a14:useLocalDpi xmlns:a14="http://schemas.microsoft.com/office/drawing/2010/main" val="0"/>
+              </a:ext>
+            </a:extLst>
+          </a:blip>
+          <a:stretch>
+            <a:fillRect/>
+          </a:stretch>
+        </p:blipFill>
+        <p:spPr>
+          <a:xfrm>
+            <a:off x="0" y="0"/>
+            <a:ext cx="12192000" cy="6858000"/>
+          </a:xfrm>
+          <a:prstGeom prst="rect">
+            <a:avLst/>
+          </a:prstGeom>
+        </p:spPr>
+      </p:pic>
+      <p:sp>
+        <p:nvSpPr>
           <p:cNvPr id="2" name="Titre 1">
             <a:extLst>
               <a:ext uri="{FF2B5EF4-FFF2-40B4-BE49-F238E27FC236}">
@@ -3564,13 +3968,25 @@
             <p:ph type="title"/>
           </p:nvPr>
         </p:nvSpPr>
-        <p:spPr/>
-        <p:txBody>
-          <a:bodyPr/>
-          <a:lstStyle/>
-          <a:p>
-            <a:r>
-              <a:rPr lang="fr-FR" dirty="0"/>
+        <p:spPr>
+          <a:xfrm>
+            <a:off x="1179226" y="826680"/>
+            <a:ext cx="9833548" cy="1325563"/>
+          </a:xfrm>
+        </p:spPr>
+        <p:txBody>
+          <a:bodyPr>
+            <a:normAutofit/>
+          </a:bodyPr>
+          <a:lstStyle/>
+          <a:p>
+            <a:pPr algn="ctr"/>
+            <a:r>
+              <a:rPr lang="fr-FR" sz="4000">
+                <a:solidFill>
+                  <a:srgbClr val="FFFFFF"/>
+                </a:solidFill>
+              </a:rPr>
               <a:t>Les tenants et aboutissant du problème</a:t>
             </a:r>
           </a:p>
@@ -3592,12 +4008,72 @@
             <p:ph idx="1"/>
           </p:nvPr>
         </p:nvSpPr>
-        <p:spPr/>
-        <p:txBody>
-          <a:bodyPr/>
-          <a:lstStyle/>
-          <a:p>
-            <a:endParaRPr lang="fr-FR"/>
+        <p:spPr>
+          <a:xfrm>
+            <a:off x="1179226" y="3092970"/>
+            <a:ext cx="9833548" cy="2693976"/>
+          </a:xfrm>
+        </p:spPr>
+        <p:txBody>
+          <a:bodyPr>
+            <a:normAutofit lnSpcReduction="10000"/>
+          </a:bodyPr>
+          <a:lstStyle/>
+          <a:p>
+            <a:r>
+              <a:rPr lang="fr-FR" sz="2000" dirty="0">
+                <a:solidFill>
+                  <a:srgbClr val="000000"/>
+                </a:solidFill>
+              </a:rPr>
+              <a:t>L’objectif et l’utilité du </a:t>
+            </a:r>
+            <a:r>
+              <a:rPr lang="fr-FR" sz="2000" dirty="0" err="1">
+                <a:solidFill>
+                  <a:srgbClr val="000000"/>
+                </a:solidFill>
+              </a:rPr>
+              <a:t>dataset</a:t>
+            </a:r>
+            <a:r>
+              <a:rPr lang="fr-FR" sz="2000" dirty="0">
+                <a:solidFill>
+                  <a:srgbClr val="000000"/>
+                </a:solidFill>
+              </a:rPr>
+              <a:t> est de pouvoir déterminer la posture d’une personne seulement à l’aide des capteurs présents dans un téléphone. Ceci peut avoir plusieurs utilité.</a:t>
+            </a:r>
+          </a:p>
+          <a:p>
+            <a:r>
+              <a:rPr lang="fr-FR" sz="2000" dirty="0">
+                <a:solidFill>
+                  <a:srgbClr val="000000"/>
+                </a:solidFill>
+              </a:rPr>
+              <a:t>Il peut y avoir la question de l’aide à personne en difficulté. Savoir si elle est tombé ou si elle est allongé. C’est une source de sécurité sans avoir besoin de caméras.</a:t>
+            </a:r>
+          </a:p>
+          <a:p>
+            <a:r>
+              <a:rPr lang="fr-FR" sz="2000" dirty="0">
+                <a:solidFill>
+                  <a:srgbClr val="000000"/>
+                </a:solidFill>
+              </a:rPr>
+              <a:t>On pourrait aussi utiliser ces données pour des applications de remise en forme et savoir si la personne fait bien les mouvements ou pas.</a:t>
+            </a:r>
+          </a:p>
+          <a:p>
+            <a:r>
+              <a:rPr lang="fr-FR" sz="2000" dirty="0">
+                <a:solidFill>
+                  <a:srgbClr val="000000"/>
+                </a:solidFill>
+              </a:rPr>
+              <a:t>Ou encore dans le domaine publicitaire, pour savoir si la personne va être plus réceptive ou pas à une publicité si elle est en mouvement, allongée ou debout.</a:t>
+            </a:r>
           </a:p>
         </p:txBody>
       </p:sp>
@@ -3617,6 +4093,14 @@
 <file path=ppt/slides/slide4.xml><?xml version="1.0" encoding="utf-8"?>
 <p:sld xmlns:a="http://schemas.openxmlformats.org/drawingml/2006/main" xmlns:r="http://schemas.openxmlformats.org/officeDocument/2006/relationships" xmlns:p="http://schemas.openxmlformats.org/presentationml/2006/main">
   <p:cSld>
+    <p:bg>
+      <p:bgPr>
+        <a:solidFill>
+          <a:schemeClr val="bg1"/>
+        </a:solidFill>
+        <a:effectLst/>
+      </p:bgPr>
+    </p:bg>
     <p:spTree>
       <p:nvGrpSpPr>
         <p:cNvPr id="1" name=""/>
@@ -3633,6 +4117,128 @@
       </p:grpSpPr>
       <p:sp>
         <p:nvSpPr>
+          <p:cNvPr id="8" name="Rectangle 7">
+            <a:extLst>
+              <a:ext uri="{FF2B5EF4-FFF2-40B4-BE49-F238E27FC236}">
+                <a16:creationId xmlns:a16="http://schemas.microsoft.com/office/drawing/2014/main" id="{4351DFE5-F63D-4BE0-BDA9-E3EB88F01AA5}"/>
+              </a:ext>
+              <a:ext uri="{C183D7F6-B498-43B3-948B-1728B52AA6E4}">
+                <adec:decorative xmlns:adec="http://schemas.microsoft.com/office/drawing/2017/decorative" val="1"/>
+              </a:ext>
+            </a:extLst>
+          </p:cNvPr>
+          <p:cNvSpPr>
+            <a:spLocks noGrp="1" noRot="1" noChangeAspect="1" noMove="1" noResize="1" noEditPoints="1" noAdjustHandles="1" noChangeArrowheads="1" noChangeShapeType="1" noTextEdit="1"/>
+          </p:cNvSpPr>
+          <p:nvPr>
+            <p:extLst>
+              <p:ext uri="{386F3935-93C4-4BCD-93E2-E3B085C9AB24}">
+                <p16:designElem xmlns:p16="http://schemas.microsoft.com/office/powerpoint/2015/main" val="1"/>
+              </p:ext>
+            </p:extLst>
+          </p:nvPr>
+        </p:nvSpPr>
+        <p:spPr>
+          <a:xfrm>
+            <a:off x="355601" y="0"/>
+            <a:ext cx="11480494" cy="2753936"/>
+          </a:xfrm>
+          <a:prstGeom prst="rect">
+            <a:avLst/>
+          </a:prstGeom>
+          <a:gradFill>
+            <a:gsLst>
+              <a:gs pos="0">
+                <a:schemeClr val="accent4"/>
+              </a:gs>
+              <a:gs pos="25000">
+                <a:schemeClr val="accent4"/>
+              </a:gs>
+              <a:gs pos="94000">
+                <a:schemeClr val="accent2"/>
+              </a:gs>
+              <a:gs pos="100000">
+                <a:schemeClr val="accent2"/>
+              </a:gs>
+            </a:gsLst>
+            <a:lin ang="4200000" scaled="0"/>
+          </a:gradFill>
+          <a:ln>
+            <a:noFill/>
+          </a:ln>
+        </p:spPr>
+        <p:style>
+          <a:lnRef idx="2">
+            <a:schemeClr val="accent1">
+              <a:shade val="50000"/>
+            </a:schemeClr>
+          </a:lnRef>
+          <a:fillRef idx="1">
+            <a:schemeClr val="accent1"/>
+          </a:fillRef>
+          <a:effectRef idx="0">
+            <a:schemeClr val="accent1"/>
+          </a:effectRef>
+          <a:fontRef idx="minor">
+            <a:schemeClr val="lt1"/>
+          </a:fontRef>
+        </p:style>
+        <p:txBody>
+          <a:bodyPr rtlCol="0" anchor="ctr"/>
+          <a:lstStyle/>
+          <a:p>
+            <a:pPr algn="ctr"/>
+            <a:endParaRPr lang="en-US"/>
+          </a:p>
+        </p:txBody>
+      </p:sp>
+      <p:pic>
+        <p:nvPicPr>
+          <p:cNvPr id="10" name="Picture 9">
+            <a:extLst>
+              <a:ext uri="{FF2B5EF4-FFF2-40B4-BE49-F238E27FC236}">
+                <a16:creationId xmlns:a16="http://schemas.microsoft.com/office/drawing/2014/main" id="{3AA16612-ACD2-4A16-8F2B-4514FD6BF28F}"/>
+              </a:ext>
+              <a:ext uri="{C183D7F6-B498-43B3-948B-1728B52AA6E4}">
+                <adec:decorative xmlns:adec="http://schemas.microsoft.com/office/drawing/2017/decorative" val="1"/>
+              </a:ext>
+            </a:extLst>
+          </p:cNvPr>
+          <p:cNvPicPr>
+            <a:picLocks noGrp="1" noRot="1" noChangeAspect="1" noMove="1" noResize="1" noEditPoints="1" noAdjustHandles="1" noChangeArrowheads="1" noChangeShapeType="1" noCrop="1"/>
+          </p:cNvPicPr>
+          <p:nvPr>
+            <p:extLst>
+              <p:ext uri="{386F3935-93C4-4BCD-93E2-E3B085C9AB24}">
+                <p16:designElem xmlns:p16="http://schemas.microsoft.com/office/powerpoint/2015/main" val="1"/>
+              </p:ext>
+            </p:extLst>
+          </p:nvPr>
+        </p:nvPicPr>
+        <p:blipFill>
+          <a:blip r:embed="rId2">
+            <a:extLst>
+              <a:ext uri="{28A0092B-C50C-407E-A947-70E740481C1C}">
+                <a14:useLocalDpi xmlns:a14="http://schemas.microsoft.com/office/drawing/2010/main" val="0"/>
+              </a:ext>
+            </a:extLst>
+          </a:blip>
+          <a:stretch>
+            <a:fillRect/>
+          </a:stretch>
+        </p:blipFill>
+        <p:spPr>
+          <a:xfrm>
+            <a:off x="0" y="0"/>
+            <a:ext cx="12192000" cy="6858000"/>
+          </a:xfrm>
+          <a:prstGeom prst="rect">
+            <a:avLst/>
+          </a:prstGeom>
+        </p:spPr>
+      </p:pic>
+      <p:sp>
+        <p:nvSpPr>
           <p:cNvPr id="2" name="Titre 1">
             <a:extLst>
               <a:ext uri="{FF2B5EF4-FFF2-40B4-BE49-F238E27FC236}">
@@ -3647,13 +4253,25 @@
             <p:ph type="title"/>
           </p:nvPr>
         </p:nvSpPr>
-        <p:spPr/>
-        <p:txBody>
-          <a:bodyPr/>
-          <a:lstStyle/>
-          <a:p>
-            <a:r>
-              <a:rPr lang="fr-FR" dirty="0"/>
+        <p:spPr>
+          <a:xfrm>
+            <a:off x="1179226" y="826680"/>
+            <a:ext cx="9833548" cy="1325563"/>
+          </a:xfrm>
+        </p:spPr>
+        <p:txBody>
+          <a:bodyPr>
+            <a:normAutofit/>
+          </a:bodyPr>
+          <a:lstStyle/>
+          <a:p>
+            <a:pPr algn="ctr"/>
+            <a:r>
+              <a:rPr lang="fr-FR" sz="4000">
+                <a:solidFill>
+                  <a:srgbClr val="FFFFFF"/>
+                </a:solidFill>
+              </a:rPr>
               <a:t>Mes réflexions sur la question posée</a:t>
             </a:r>
           </a:p>
@@ -3675,12 +4293,56 @@
             <p:ph idx="1"/>
           </p:nvPr>
         </p:nvSpPr>
-        <p:spPr/>
-        <p:txBody>
-          <a:bodyPr/>
-          <a:lstStyle/>
-          <a:p>
-            <a:endParaRPr lang="fr-FR"/>
+        <p:spPr>
+          <a:xfrm>
+            <a:off x="1179226" y="3092970"/>
+            <a:ext cx="9833548" cy="2693976"/>
+          </a:xfrm>
+        </p:spPr>
+        <p:txBody>
+          <a:bodyPr>
+            <a:normAutofit/>
+          </a:bodyPr>
+          <a:lstStyle/>
+          <a:p>
+            <a:r>
+              <a:rPr lang="fr-FR" sz="2000">
+                <a:solidFill>
+                  <a:srgbClr val="000000"/>
+                </a:solidFill>
+              </a:rPr>
+              <a:t>Comment à partir d’un jeux de données brut peut-on obtenir de l’information utile à une application?</a:t>
+            </a:r>
+          </a:p>
+          <a:p>
+            <a:r>
+              <a:rPr lang="fr-FR" sz="2000">
+                <a:solidFill>
+                  <a:srgbClr val="000000"/>
+                </a:solidFill>
+              </a:rPr>
+              <a:t>Il faudrait savoir à partir des données la position d’une personne. </a:t>
+            </a:r>
+          </a:p>
+          <a:p>
+            <a:r>
+              <a:rPr lang="fr-FR" sz="2000">
+                <a:solidFill>
+                  <a:srgbClr val="000000"/>
+                </a:solidFill>
+              </a:rPr>
+              <a:t>Pour ce faire il faut entrainer un modèle à reconnaitre la position de la personne par rapport aux données. J’utiliserai alors plusieurs algorithmes en changeant les hyper-paramètres pour obtenir le meilleur résultat.</a:t>
+            </a:r>
+          </a:p>
+          <a:p>
+            <a:r>
+              <a:rPr lang="fr-FR" sz="2000">
+                <a:solidFill>
+                  <a:srgbClr val="000000"/>
+                </a:solidFill>
+              </a:rPr>
+              <a:t>Je vais aussi faire des visualisations graphique pour savoir quels variables sont importante dans la décision de la position.</a:t>
+            </a:r>
           </a:p>
         </p:txBody>
       </p:sp>
@@ -3700,6 +4362,14 @@
 <file path=ppt/slides/slide5.xml><?xml version="1.0" encoding="utf-8"?>
 <p:sld xmlns:a="http://schemas.openxmlformats.org/drawingml/2006/main" xmlns:r="http://schemas.openxmlformats.org/officeDocument/2006/relationships" xmlns:p="http://schemas.openxmlformats.org/presentationml/2006/main">
   <p:cSld>
+    <p:bg>
+      <p:bgPr>
+        <a:solidFill>
+          <a:schemeClr val="bg1"/>
+        </a:solidFill>
+        <a:effectLst/>
+      </p:bgPr>
+    </p:bg>
     <p:spTree>
       <p:nvGrpSpPr>
         <p:cNvPr id="1" name=""/>
@@ -3716,6 +4386,128 @@
       </p:grpSpPr>
       <p:sp>
         <p:nvSpPr>
+          <p:cNvPr id="18" name="Rectangle 11">
+            <a:extLst>
+              <a:ext uri="{FF2B5EF4-FFF2-40B4-BE49-F238E27FC236}">
+                <a16:creationId xmlns:a16="http://schemas.microsoft.com/office/drawing/2014/main" id="{AFA67CD3-AB4E-4A7A-BEB8-53C445D8C44E}"/>
+              </a:ext>
+              <a:ext uri="{C183D7F6-B498-43B3-948B-1728B52AA6E4}">
+                <adec:decorative xmlns:adec="http://schemas.microsoft.com/office/drawing/2017/decorative" val="1"/>
+              </a:ext>
+            </a:extLst>
+          </p:cNvPr>
+          <p:cNvSpPr>
+            <a:spLocks noGrp="1" noRot="1" noChangeAspect="1" noMove="1" noResize="1" noEditPoints="1" noAdjustHandles="1" noChangeArrowheads="1" noChangeShapeType="1" noTextEdit="1"/>
+          </p:cNvSpPr>
+          <p:nvPr>
+            <p:extLst>
+              <p:ext uri="{386F3935-93C4-4BCD-93E2-E3B085C9AB24}">
+                <p16:designElem xmlns:p16="http://schemas.microsoft.com/office/powerpoint/2015/main" val="1"/>
+              </p:ext>
+            </p:extLst>
+          </p:nvPr>
+        </p:nvSpPr>
+        <p:spPr>
+          <a:xfrm>
+            <a:off x="1" y="3726"/>
+            <a:ext cx="5614875" cy="6858000"/>
+          </a:xfrm>
+          <a:prstGeom prst="rect">
+            <a:avLst/>
+          </a:prstGeom>
+          <a:gradFill>
+            <a:gsLst>
+              <a:gs pos="0">
+                <a:schemeClr val="accent4"/>
+              </a:gs>
+              <a:gs pos="25000">
+                <a:schemeClr val="accent4"/>
+              </a:gs>
+              <a:gs pos="94000">
+                <a:schemeClr val="accent2"/>
+              </a:gs>
+              <a:gs pos="100000">
+                <a:schemeClr val="accent2"/>
+              </a:gs>
+            </a:gsLst>
+            <a:lin ang="4200000" scaled="0"/>
+          </a:gradFill>
+          <a:ln>
+            <a:noFill/>
+          </a:ln>
+        </p:spPr>
+        <p:style>
+          <a:lnRef idx="2">
+            <a:schemeClr val="accent1">
+              <a:shade val="50000"/>
+            </a:schemeClr>
+          </a:lnRef>
+          <a:fillRef idx="1">
+            <a:schemeClr val="accent1"/>
+          </a:fillRef>
+          <a:effectRef idx="0">
+            <a:schemeClr val="accent1"/>
+          </a:effectRef>
+          <a:fontRef idx="minor">
+            <a:schemeClr val="lt1"/>
+          </a:fontRef>
+        </p:style>
+        <p:txBody>
+          <a:bodyPr rtlCol="0" anchor="ctr"/>
+          <a:lstStyle/>
+          <a:p>
+            <a:pPr algn="ctr"/>
+            <a:endParaRPr lang="en-US"/>
+          </a:p>
+        </p:txBody>
+      </p:sp>
+      <p:pic>
+        <p:nvPicPr>
+          <p:cNvPr id="19" name="Picture 13">
+            <a:extLst>
+              <a:ext uri="{FF2B5EF4-FFF2-40B4-BE49-F238E27FC236}">
+                <a16:creationId xmlns:a16="http://schemas.microsoft.com/office/drawing/2014/main" id="{07CF545F-9C2E-4446-97CD-AD92990C2B68}"/>
+              </a:ext>
+              <a:ext uri="{C183D7F6-B498-43B3-948B-1728B52AA6E4}">
+                <adec:decorative xmlns:adec="http://schemas.microsoft.com/office/drawing/2017/decorative" val="1"/>
+              </a:ext>
+            </a:extLst>
+          </p:cNvPr>
+          <p:cNvPicPr>
+            <a:picLocks noGrp="1" noRot="1" noChangeAspect="1" noMove="1" noResize="1" noEditPoints="1" noAdjustHandles="1" noChangeArrowheads="1" noChangeShapeType="1" noCrop="1"/>
+          </p:cNvPicPr>
+          <p:nvPr>
+            <p:extLst>
+              <p:ext uri="{386F3935-93C4-4BCD-93E2-E3B085C9AB24}">
+                <p16:designElem xmlns:p16="http://schemas.microsoft.com/office/powerpoint/2015/main" val="1"/>
+              </p:ext>
+            </p:extLst>
+          </p:nvPr>
+        </p:nvPicPr>
+        <p:blipFill>
+          <a:blip r:embed="rId2">
+            <a:extLst>
+              <a:ext uri="{28A0092B-C50C-407E-A947-70E740481C1C}">
+                <a14:useLocalDpi xmlns:a14="http://schemas.microsoft.com/office/drawing/2010/main" val="0"/>
+              </a:ext>
+            </a:extLst>
+          </a:blip>
+          <a:stretch>
+            <a:fillRect/>
+          </a:stretch>
+        </p:blipFill>
+        <p:spPr>
+          <a:xfrm>
+            <a:off x="0" y="0"/>
+            <a:ext cx="12192000" cy="6858000"/>
+          </a:xfrm>
+          <a:prstGeom prst="rect">
+            <a:avLst/>
+          </a:prstGeom>
+        </p:spPr>
+      </p:pic>
+      <p:sp>
+        <p:nvSpPr>
           <p:cNvPr id="2" name="Titre 1">
             <a:extLst>
               <a:ext uri="{FF2B5EF4-FFF2-40B4-BE49-F238E27FC236}">
@@ -3730,18 +4522,229 @@
             <p:ph type="title"/>
           </p:nvPr>
         </p:nvSpPr>
-        <p:spPr/>
-        <p:txBody>
-          <a:bodyPr/>
-          <a:lstStyle/>
-          <a:p>
-            <a:r>
-              <a:rPr lang="fr-FR" dirty="0"/>
-              <a:t>Les différentes variables que vous j’ai créées</a:t>
-            </a:r>
-          </a:p>
-        </p:txBody>
-      </p:sp>
+        <p:spPr>
+          <a:xfrm>
+            <a:off x="6094105" y="802955"/>
+            <a:ext cx="4977976" cy="1454051"/>
+          </a:xfrm>
+        </p:spPr>
+        <p:txBody>
+          <a:bodyPr>
+            <a:normAutofit/>
+          </a:bodyPr>
+          <a:lstStyle/>
+          <a:p>
+            <a:r>
+              <a:rPr lang="fr-FR">
+                <a:solidFill>
+                  <a:srgbClr val="000000"/>
+                </a:solidFill>
+              </a:rPr>
+              <a:t>Les différentes outils que j’ai utilisé.</a:t>
+            </a:r>
+          </a:p>
+        </p:txBody>
+      </p:sp>
+      <p:sp>
+        <p:nvSpPr>
+          <p:cNvPr id="20" name="Freeform 62">
+            <a:extLst>
+              <a:ext uri="{FF2B5EF4-FFF2-40B4-BE49-F238E27FC236}">
+                <a16:creationId xmlns:a16="http://schemas.microsoft.com/office/drawing/2014/main" id="{339C8D78-A644-462F-B674-F440635E5353}"/>
+              </a:ext>
+              <a:ext uri="{C183D7F6-B498-43B3-948B-1728B52AA6E4}">
+                <adec:decorative xmlns:adec="http://schemas.microsoft.com/office/drawing/2017/decorative" val="1"/>
+              </a:ext>
+            </a:extLst>
+          </p:cNvPr>
+          <p:cNvSpPr>
+            <a:spLocks noGrp="1" noRot="1" noChangeAspect="1" noMove="1" noResize="1" noEditPoints="1" noAdjustHandles="1" noChangeArrowheads="1" noChangeShapeType="1" noTextEdit="1"/>
+          </p:cNvSpPr>
+          <p:nvPr>
+            <p:extLst>
+              <p:ext uri="{386F3935-93C4-4BCD-93E2-E3B085C9AB24}">
+                <p16:designElem xmlns:p16="http://schemas.microsoft.com/office/powerpoint/2015/main" val="1"/>
+              </p:ext>
+            </p:extLst>
+          </p:nvPr>
+        </p:nvSpPr>
+        <p:spPr>
+          <a:xfrm>
+            <a:off x="0" y="738619"/>
+            <a:ext cx="5000438" cy="5400962"/>
+          </a:xfrm>
+          <a:custGeom>
+            <a:avLst/>
+            <a:gdLst>
+              <a:gd name="connsiteX0" fmla="*/ 2299956 w 5000438"/>
+              <a:gd name="connsiteY0" fmla="*/ 0 h 5400962"/>
+              <a:gd name="connsiteX1" fmla="*/ 5000438 w 5000438"/>
+              <a:gd name="connsiteY1" fmla="*/ 2700481 h 5400962"/>
+              <a:gd name="connsiteX2" fmla="*/ 2299956 w 5000438"/>
+              <a:gd name="connsiteY2" fmla="*/ 5400962 h 5400962"/>
+              <a:gd name="connsiteX3" fmla="*/ 60675 w 5000438"/>
+              <a:gd name="connsiteY3" fmla="*/ 4210346 h 5400962"/>
+              <a:gd name="connsiteX4" fmla="*/ 0 w 5000438"/>
+              <a:gd name="connsiteY4" fmla="*/ 4110472 h 5400962"/>
+              <a:gd name="connsiteX5" fmla="*/ 0 w 5000438"/>
+              <a:gd name="connsiteY5" fmla="*/ 1290491 h 5400962"/>
+              <a:gd name="connsiteX6" fmla="*/ 60675 w 5000438"/>
+              <a:gd name="connsiteY6" fmla="*/ 1190617 h 5400962"/>
+              <a:gd name="connsiteX7" fmla="*/ 2299956 w 5000438"/>
+              <a:gd name="connsiteY7" fmla="*/ 0 h 5400962"/>
+            </a:gdLst>
+            <a:ahLst/>
+            <a:cxnLst>
+              <a:cxn ang="0">
+                <a:pos x="connsiteX0" y="connsiteY0"/>
+              </a:cxn>
+              <a:cxn ang="0">
+                <a:pos x="connsiteX1" y="connsiteY1"/>
+              </a:cxn>
+              <a:cxn ang="0">
+                <a:pos x="connsiteX2" y="connsiteY2"/>
+              </a:cxn>
+              <a:cxn ang="0">
+                <a:pos x="connsiteX3" y="connsiteY3"/>
+              </a:cxn>
+              <a:cxn ang="0">
+                <a:pos x="connsiteX4" y="connsiteY4"/>
+              </a:cxn>
+              <a:cxn ang="0">
+                <a:pos x="connsiteX5" y="connsiteY5"/>
+              </a:cxn>
+              <a:cxn ang="0">
+                <a:pos x="connsiteX6" y="connsiteY6"/>
+              </a:cxn>
+              <a:cxn ang="0">
+                <a:pos x="connsiteX7" y="connsiteY7"/>
+              </a:cxn>
+            </a:cxnLst>
+            <a:rect l="l" t="t" r="r" b="b"/>
+            <a:pathLst>
+              <a:path w="5000438" h="5400962">
+                <a:moveTo>
+                  <a:pt x="2299956" y="0"/>
+                </a:moveTo>
+                <a:cubicBezTo>
+                  <a:pt x="3791390" y="0"/>
+                  <a:pt x="5000438" y="1209047"/>
+                  <a:pt x="5000438" y="2700481"/>
+                </a:cubicBezTo>
+                <a:cubicBezTo>
+                  <a:pt x="5000438" y="4191915"/>
+                  <a:pt x="3791390" y="5400962"/>
+                  <a:pt x="2299956" y="5400962"/>
+                </a:cubicBezTo>
+                <a:cubicBezTo>
+                  <a:pt x="1367810" y="5400962"/>
+                  <a:pt x="545971" y="4928678"/>
+                  <a:pt x="60675" y="4210346"/>
+                </a:cubicBezTo>
+                <a:lnTo>
+                  <a:pt x="0" y="4110472"/>
+                </a:lnTo>
+                <a:lnTo>
+                  <a:pt x="0" y="1290491"/>
+                </a:lnTo>
+                <a:lnTo>
+                  <a:pt x="60675" y="1190617"/>
+                </a:lnTo>
+                <a:cubicBezTo>
+                  <a:pt x="545971" y="472284"/>
+                  <a:pt x="1367810" y="0"/>
+                  <a:pt x="2299956" y="0"/>
+                </a:cubicBezTo>
+                <a:close/>
+              </a:path>
+            </a:pathLst>
+          </a:custGeom>
+          <a:solidFill>
+            <a:srgbClr val="FFFFFF"/>
+          </a:solidFill>
+          <a:ln>
+            <a:gradFill>
+              <a:gsLst>
+                <a:gs pos="0">
+                  <a:schemeClr val="accent4"/>
+                </a:gs>
+                <a:gs pos="23000">
+                  <a:schemeClr val="accent4"/>
+                </a:gs>
+                <a:gs pos="83000">
+                  <a:schemeClr val="accent2"/>
+                </a:gs>
+                <a:gs pos="100000">
+                  <a:schemeClr val="accent2"/>
+                </a:gs>
+              </a:gsLst>
+              <a:lin ang="5400000" scaled="1"/>
+            </a:gradFill>
+          </a:ln>
+        </p:spPr>
+        <p:style>
+          <a:lnRef idx="2">
+            <a:schemeClr val="accent1">
+              <a:shade val="50000"/>
+            </a:schemeClr>
+          </a:lnRef>
+          <a:fillRef idx="1">
+            <a:schemeClr val="accent1"/>
+          </a:fillRef>
+          <a:effectRef idx="0">
+            <a:schemeClr val="accent1"/>
+          </a:effectRef>
+          <a:fontRef idx="minor">
+            <a:schemeClr val="lt1"/>
+          </a:fontRef>
+        </p:style>
+        <p:txBody>
+          <a:bodyPr wrap="square" rtlCol="0" anchor="ctr">
+            <a:noAutofit/>
+          </a:bodyPr>
+          <a:lstStyle/>
+          <a:p>
+            <a:pPr algn="ctr"/>
+            <a:endParaRPr lang="en-US"/>
+          </a:p>
+        </p:txBody>
+      </p:sp>
+      <p:pic>
+        <p:nvPicPr>
+          <p:cNvPr id="7" name="Image 6" descr="Une image contenant capture d’écran&#10;&#10;Description générée automatiquement">
+            <a:extLst>
+              <a:ext uri="{FF2B5EF4-FFF2-40B4-BE49-F238E27FC236}">
+                <a16:creationId xmlns:a16="http://schemas.microsoft.com/office/drawing/2014/main" id="{B2A42D21-EB99-4ECD-AD5F-B414AFF8F2CB}"/>
+              </a:ext>
+            </a:extLst>
+          </p:cNvPr>
+          <p:cNvPicPr>
+            <a:picLocks noChangeAspect="1"/>
+          </p:cNvPicPr>
+          <p:nvPr/>
+        </p:nvPicPr>
+        <p:blipFill>
+          <a:blip r:embed="rId3">
+            <a:extLst>
+              <a:ext uri="{28A0092B-C50C-407E-A947-70E740481C1C}">
+                <a14:useLocalDpi xmlns:a14="http://schemas.microsoft.com/office/drawing/2010/main" val="0"/>
+              </a:ext>
+            </a:extLst>
+          </a:blip>
+          <a:stretch>
+            <a:fillRect/>
+          </a:stretch>
+        </p:blipFill>
+        <p:spPr>
+          <a:xfrm>
+            <a:off x="429349" y="1910285"/>
+            <a:ext cx="3661831" cy="3057629"/>
+          </a:xfrm>
+          <a:prstGeom prst="rect">
+            <a:avLst/>
+          </a:prstGeom>
+        </p:spPr>
+      </p:pic>
       <p:sp>
         <p:nvSpPr>
           <p:cNvPr id="3" name="Espace réservé du contenu 2">
@@ -3758,12 +4761,107 @@
             <p:ph idx="1"/>
           </p:nvPr>
         </p:nvSpPr>
-        <p:spPr/>
-        <p:txBody>
-          <a:bodyPr/>
-          <a:lstStyle/>
-          <a:p>
-            <a:endParaRPr lang="fr-FR"/>
+        <p:spPr>
+          <a:xfrm>
+            <a:off x="6090574" y="2421682"/>
+            <a:ext cx="4977578" cy="3639289"/>
+          </a:xfrm>
+        </p:spPr>
+        <p:txBody>
+          <a:bodyPr anchor="ctr">
+            <a:normAutofit/>
+          </a:bodyPr>
+          <a:lstStyle/>
+          <a:p>
+            <a:r>
+              <a:rPr lang="fr-FR" sz="2000" dirty="0">
+                <a:solidFill>
+                  <a:srgbClr val="000000"/>
+                </a:solidFill>
+              </a:rPr>
+              <a:t>Pour obtenir le meilleur résultat avec les modèles j’ai utilisé deux algorithmes différents : </a:t>
+            </a:r>
+            <a:r>
+              <a:rPr lang="fr-FR" sz="2000" dirty="0" err="1">
+                <a:solidFill>
+                  <a:srgbClr val="000000"/>
+                </a:solidFill>
+              </a:rPr>
+              <a:t>RandomForest</a:t>
+            </a:r>
+            <a:r>
+              <a:rPr lang="fr-FR" sz="2000" dirty="0">
+                <a:solidFill>
+                  <a:srgbClr val="000000"/>
+                </a:solidFill>
+              </a:rPr>
+              <a:t> et </a:t>
+            </a:r>
+            <a:r>
+              <a:rPr lang="fr-FR" sz="2000" dirty="0" err="1">
+                <a:solidFill>
+                  <a:srgbClr val="000000"/>
+                </a:solidFill>
+              </a:rPr>
+              <a:t>DecisionTree</a:t>
+            </a:r>
+            <a:r>
+              <a:rPr lang="fr-FR" sz="2000" dirty="0">
+                <a:solidFill>
+                  <a:srgbClr val="000000"/>
+                </a:solidFill>
+              </a:rPr>
+              <a:t>. J’ai ensuite modifié les </a:t>
+            </a:r>
+            <a:r>
+              <a:rPr lang="fr-FR" sz="2000" dirty="0" err="1">
+                <a:solidFill>
+                  <a:srgbClr val="000000"/>
+                </a:solidFill>
+              </a:rPr>
+              <a:t>hyper-paramètres</a:t>
+            </a:r>
+            <a:r>
+              <a:rPr lang="fr-FR" sz="2000" dirty="0">
+                <a:solidFill>
+                  <a:srgbClr val="000000"/>
+                </a:solidFill>
+              </a:rPr>
+              <a:t> pour comparer les résultats. Voici un graphique des résultats obtenu:</a:t>
+            </a:r>
+          </a:p>
+          <a:p>
+            <a:endParaRPr lang="fr-FR" sz="2000" dirty="0">
+              <a:solidFill>
+                <a:srgbClr val="000000"/>
+              </a:solidFill>
+            </a:endParaRPr>
+          </a:p>
+          <a:p>
+            <a:r>
+              <a:rPr lang="fr-FR" sz="2000" dirty="0">
+                <a:solidFill>
+                  <a:srgbClr val="000000"/>
+                </a:solidFill>
+              </a:rPr>
+              <a:t>On constate alors que la </a:t>
+            </a:r>
+            <a:r>
+              <a:rPr lang="fr-FR" sz="2000" dirty="0" err="1">
+                <a:solidFill>
+                  <a:srgbClr val="000000"/>
+                </a:solidFill>
+              </a:rPr>
+              <a:t>RandomForest</a:t>
+            </a:r>
+            <a:r>
+              <a:rPr lang="fr-FR" sz="2000" dirty="0">
+                <a:solidFill>
+                  <a:srgbClr val="000000"/>
+                </a:solidFill>
+              </a:rPr>
+              <a:t> avec 10 en paramètre est celle qui produit le meilleur résultat.</a:t>
+            </a:r>
           </a:p>
         </p:txBody>
       </p:sp>
@@ -3783,6 +4881,14 @@
 <file path=ppt/slides/slide6.xml><?xml version="1.0" encoding="utf-8"?>
 <p:sld xmlns:a="http://schemas.openxmlformats.org/drawingml/2006/main" xmlns:r="http://schemas.openxmlformats.org/officeDocument/2006/relationships" xmlns:p="http://schemas.openxmlformats.org/presentationml/2006/main">
   <p:cSld>
+    <p:bg>
+      <p:bgPr>
+        <a:solidFill>
+          <a:schemeClr val="bg1"/>
+        </a:solidFill>
+        <a:effectLst/>
+      </p:bgPr>
+    </p:bg>
     <p:spTree>
       <p:nvGrpSpPr>
         <p:cNvPr id="1" name=""/>
@@ -3799,6 +4905,128 @@
       </p:grpSpPr>
       <p:sp>
         <p:nvSpPr>
+          <p:cNvPr id="9" name="Rectangle 8">
+            <a:extLst>
+              <a:ext uri="{FF2B5EF4-FFF2-40B4-BE49-F238E27FC236}">
+                <a16:creationId xmlns:a16="http://schemas.microsoft.com/office/drawing/2014/main" id="{AFA67CD3-AB4E-4A7A-BEB8-53C445D8C44E}"/>
+              </a:ext>
+              <a:ext uri="{C183D7F6-B498-43B3-948B-1728B52AA6E4}">
+                <adec:decorative xmlns:adec="http://schemas.microsoft.com/office/drawing/2017/decorative" val="1"/>
+              </a:ext>
+            </a:extLst>
+          </p:cNvPr>
+          <p:cNvSpPr>
+            <a:spLocks noGrp="1" noRot="1" noChangeAspect="1" noMove="1" noResize="1" noEditPoints="1" noAdjustHandles="1" noChangeArrowheads="1" noChangeShapeType="1" noTextEdit="1"/>
+          </p:cNvSpPr>
+          <p:nvPr>
+            <p:extLst>
+              <p:ext uri="{386F3935-93C4-4BCD-93E2-E3B085C9AB24}">
+                <p16:designElem xmlns:p16="http://schemas.microsoft.com/office/powerpoint/2015/main" val="1"/>
+              </p:ext>
+            </p:extLst>
+          </p:nvPr>
+        </p:nvSpPr>
+        <p:spPr>
+          <a:xfrm>
+            <a:off x="1" y="3726"/>
+            <a:ext cx="5614875" cy="6858000"/>
+          </a:xfrm>
+          <a:prstGeom prst="rect">
+            <a:avLst/>
+          </a:prstGeom>
+          <a:gradFill>
+            <a:gsLst>
+              <a:gs pos="0">
+                <a:schemeClr val="accent4"/>
+              </a:gs>
+              <a:gs pos="25000">
+                <a:schemeClr val="accent4"/>
+              </a:gs>
+              <a:gs pos="94000">
+                <a:schemeClr val="accent2"/>
+              </a:gs>
+              <a:gs pos="100000">
+                <a:schemeClr val="accent2"/>
+              </a:gs>
+            </a:gsLst>
+            <a:lin ang="4200000" scaled="0"/>
+          </a:gradFill>
+          <a:ln>
+            <a:noFill/>
+          </a:ln>
+        </p:spPr>
+        <p:style>
+          <a:lnRef idx="2">
+            <a:schemeClr val="accent1">
+              <a:shade val="50000"/>
+            </a:schemeClr>
+          </a:lnRef>
+          <a:fillRef idx="1">
+            <a:schemeClr val="accent1"/>
+          </a:fillRef>
+          <a:effectRef idx="0">
+            <a:schemeClr val="accent1"/>
+          </a:effectRef>
+          <a:fontRef idx="minor">
+            <a:schemeClr val="lt1"/>
+          </a:fontRef>
+        </p:style>
+        <p:txBody>
+          <a:bodyPr rtlCol="0" anchor="ctr"/>
+          <a:lstStyle/>
+          <a:p>
+            <a:pPr algn="ctr"/>
+            <a:endParaRPr lang="en-US"/>
+          </a:p>
+        </p:txBody>
+      </p:sp>
+      <p:pic>
+        <p:nvPicPr>
+          <p:cNvPr id="11" name="Picture 10">
+            <a:extLst>
+              <a:ext uri="{FF2B5EF4-FFF2-40B4-BE49-F238E27FC236}">
+                <a16:creationId xmlns:a16="http://schemas.microsoft.com/office/drawing/2014/main" id="{07CF545F-9C2E-4446-97CD-AD92990C2B68}"/>
+              </a:ext>
+              <a:ext uri="{C183D7F6-B498-43B3-948B-1728B52AA6E4}">
+                <adec:decorative xmlns:adec="http://schemas.microsoft.com/office/drawing/2017/decorative" val="1"/>
+              </a:ext>
+            </a:extLst>
+          </p:cNvPr>
+          <p:cNvPicPr>
+            <a:picLocks noGrp="1" noRot="1" noChangeAspect="1" noMove="1" noResize="1" noEditPoints="1" noAdjustHandles="1" noChangeArrowheads="1" noChangeShapeType="1" noCrop="1"/>
+          </p:cNvPicPr>
+          <p:nvPr>
+            <p:extLst>
+              <p:ext uri="{386F3935-93C4-4BCD-93E2-E3B085C9AB24}">
+                <p16:designElem xmlns:p16="http://schemas.microsoft.com/office/powerpoint/2015/main" val="1"/>
+              </p:ext>
+            </p:extLst>
+          </p:nvPr>
+        </p:nvPicPr>
+        <p:blipFill>
+          <a:blip r:embed="rId2">
+            <a:extLst>
+              <a:ext uri="{28A0092B-C50C-407E-A947-70E740481C1C}">
+                <a14:useLocalDpi xmlns:a14="http://schemas.microsoft.com/office/drawing/2010/main" val="0"/>
+              </a:ext>
+            </a:extLst>
+          </a:blip>
+          <a:stretch>
+            <a:fillRect/>
+          </a:stretch>
+        </p:blipFill>
+        <p:spPr>
+          <a:xfrm>
+            <a:off x="0" y="0"/>
+            <a:ext cx="12192000" cy="6858000"/>
+          </a:xfrm>
+          <a:prstGeom prst="rect">
+            <a:avLst/>
+          </a:prstGeom>
+        </p:spPr>
+      </p:pic>
+      <p:sp>
+        <p:nvSpPr>
           <p:cNvPr id="2" name="Titre 1">
             <a:extLst>
               <a:ext uri="{FF2B5EF4-FFF2-40B4-BE49-F238E27FC236}">
@@ -3813,18 +5041,223 @@
             <p:ph type="title"/>
           </p:nvPr>
         </p:nvSpPr>
-        <p:spPr/>
-        <p:txBody>
-          <a:bodyPr/>
-          <a:lstStyle/>
-          <a:p>
-            <a:r>
-              <a:rPr lang="fr-FR" dirty="0"/>
-              <a:t>Comment se situe le problème dans le contexte de l’étude</a:t>
-            </a:r>
-          </a:p>
-        </p:txBody>
-      </p:sp>
+        <p:spPr>
+          <a:xfrm>
+            <a:off x="6094105" y="802955"/>
+            <a:ext cx="4977976" cy="1454051"/>
+          </a:xfrm>
+        </p:spPr>
+        <p:txBody>
+          <a:bodyPr>
+            <a:normAutofit/>
+          </a:bodyPr>
+          <a:lstStyle/>
+          <a:p>
+            <a:r>
+              <a:rPr lang="fr-FR">
+                <a:solidFill>
+                  <a:srgbClr val="000000"/>
+                </a:solidFill>
+              </a:rPr>
+              <a:t>Les différentes outils que j’ai utilisé.</a:t>
+            </a:r>
+          </a:p>
+        </p:txBody>
+      </p:sp>
+      <p:sp>
+        <p:nvSpPr>
+          <p:cNvPr id="13" name="Freeform 62">
+            <a:extLst>
+              <a:ext uri="{FF2B5EF4-FFF2-40B4-BE49-F238E27FC236}">
+                <a16:creationId xmlns:a16="http://schemas.microsoft.com/office/drawing/2014/main" id="{339C8D78-A644-462F-B674-F440635E5353}"/>
+              </a:ext>
+              <a:ext uri="{C183D7F6-B498-43B3-948B-1728B52AA6E4}">
+                <adec:decorative xmlns:adec="http://schemas.microsoft.com/office/drawing/2017/decorative" val="1"/>
+              </a:ext>
+            </a:extLst>
+          </p:cNvPr>
+          <p:cNvSpPr>
+            <a:spLocks noGrp="1" noRot="1" noChangeAspect="1" noMove="1" noResize="1" noEditPoints="1" noAdjustHandles="1" noChangeArrowheads="1" noChangeShapeType="1" noTextEdit="1"/>
+          </p:cNvSpPr>
+          <p:nvPr>
+            <p:extLst>
+              <p:ext uri="{386F3935-93C4-4BCD-93E2-E3B085C9AB24}">
+                <p16:designElem xmlns:p16="http://schemas.microsoft.com/office/powerpoint/2015/main" val="1"/>
+              </p:ext>
+            </p:extLst>
+          </p:nvPr>
+        </p:nvSpPr>
+        <p:spPr>
+          <a:xfrm>
+            <a:off x="0" y="738619"/>
+            <a:ext cx="5000438" cy="5400962"/>
+          </a:xfrm>
+          <a:custGeom>
+            <a:avLst/>
+            <a:gdLst>
+              <a:gd name="connsiteX0" fmla="*/ 2299956 w 5000438"/>
+              <a:gd name="connsiteY0" fmla="*/ 0 h 5400962"/>
+              <a:gd name="connsiteX1" fmla="*/ 5000438 w 5000438"/>
+              <a:gd name="connsiteY1" fmla="*/ 2700481 h 5400962"/>
+              <a:gd name="connsiteX2" fmla="*/ 2299956 w 5000438"/>
+              <a:gd name="connsiteY2" fmla="*/ 5400962 h 5400962"/>
+              <a:gd name="connsiteX3" fmla="*/ 60675 w 5000438"/>
+              <a:gd name="connsiteY3" fmla="*/ 4210346 h 5400962"/>
+              <a:gd name="connsiteX4" fmla="*/ 0 w 5000438"/>
+              <a:gd name="connsiteY4" fmla="*/ 4110472 h 5400962"/>
+              <a:gd name="connsiteX5" fmla="*/ 0 w 5000438"/>
+              <a:gd name="connsiteY5" fmla="*/ 1290491 h 5400962"/>
+              <a:gd name="connsiteX6" fmla="*/ 60675 w 5000438"/>
+              <a:gd name="connsiteY6" fmla="*/ 1190617 h 5400962"/>
+              <a:gd name="connsiteX7" fmla="*/ 2299956 w 5000438"/>
+              <a:gd name="connsiteY7" fmla="*/ 0 h 5400962"/>
+            </a:gdLst>
+            <a:ahLst/>
+            <a:cxnLst>
+              <a:cxn ang="0">
+                <a:pos x="connsiteX0" y="connsiteY0"/>
+              </a:cxn>
+              <a:cxn ang="0">
+                <a:pos x="connsiteX1" y="connsiteY1"/>
+              </a:cxn>
+              <a:cxn ang="0">
+                <a:pos x="connsiteX2" y="connsiteY2"/>
+              </a:cxn>
+              <a:cxn ang="0">
+                <a:pos x="connsiteX3" y="connsiteY3"/>
+              </a:cxn>
+              <a:cxn ang="0">
+                <a:pos x="connsiteX4" y="connsiteY4"/>
+              </a:cxn>
+              <a:cxn ang="0">
+                <a:pos x="connsiteX5" y="connsiteY5"/>
+              </a:cxn>
+              <a:cxn ang="0">
+                <a:pos x="connsiteX6" y="connsiteY6"/>
+              </a:cxn>
+              <a:cxn ang="0">
+                <a:pos x="connsiteX7" y="connsiteY7"/>
+              </a:cxn>
+            </a:cxnLst>
+            <a:rect l="l" t="t" r="r" b="b"/>
+            <a:pathLst>
+              <a:path w="5000438" h="5400962">
+                <a:moveTo>
+                  <a:pt x="2299956" y="0"/>
+                </a:moveTo>
+                <a:cubicBezTo>
+                  <a:pt x="3791390" y="0"/>
+                  <a:pt x="5000438" y="1209047"/>
+                  <a:pt x="5000438" y="2700481"/>
+                </a:cubicBezTo>
+                <a:cubicBezTo>
+                  <a:pt x="5000438" y="4191915"/>
+                  <a:pt x="3791390" y="5400962"/>
+                  <a:pt x="2299956" y="5400962"/>
+                </a:cubicBezTo>
+                <a:cubicBezTo>
+                  <a:pt x="1367810" y="5400962"/>
+                  <a:pt x="545971" y="4928678"/>
+                  <a:pt x="60675" y="4210346"/>
+                </a:cubicBezTo>
+                <a:lnTo>
+                  <a:pt x="0" y="4110472"/>
+                </a:lnTo>
+                <a:lnTo>
+                  <a:pt x="0" y="1290491"/>
+                </a:lnTo>
+                <a:lnTo>
+                  <a:pt x="60675" y="1190617"/>
+                </a:lnTo>
+                <a:cubicBezTo>
+                  <a:pt x="545971" y="472284"/>
+                  <a:pt x="1367810" y="0"/>
+                  <a:pt x="2299956" y="0"/>
+                </a:cubicBezTo>
+                <a:close/>
+              </a:path>
+            </a:pathLst>
+          </a:custGeom>
+          <a:solidFill>
+            <a:srgbClr val="FFFFFF"/>
+          </a:solidFill>
+          <a:ln>
+            <a:gradFill>
+              <a:gsLst>
+                <a:gs pos="0">
+                  <a:schemeClr val="accent4"/>
+                </a:gs>
+                <a:gs pos="23000">
+                  <a:schemeClr val="accent4"/>
+                </a:gs>
+                <a:gs pos="83000">
+                  <a:schemeClr val="accent2"/>
+                </a:gs>
+                <a:gs pos="100000">
+                  <a:schemeClr val="accent2"/>
+                </a:gs>
+              </a:gsLst>
+              <a:lin ang="5400000" scaled="1"/>
+            </a:gradFill>
+          </a:ln>
+        </p:spPr>
+        <p:style>
+          <a:lnRef idx="2">
+            <a:schemeClr val="accent1">
+              <a:shade val="50000"/>
+            </a:schemeClr>
+          </a:lnRef>
+          <a:fillRef idx="1">
+            <a:schemeClr val="accent1"/>
+          </a:fillRef>
+          <a:effectRef idx="0">
+            <a:schemeClr val="accent1"/>
+          </a:effectRef>
+          <a:fontRef idx="minor">
+            <a:schemeClr val="lt1"/>
+          </a:fontRef>
+        </p:style>
+        <p:txBody>
+          <a:bodyPr wrap="square" rtlCol="0" anchor="ctr">
+            <a:noAutofit/>
+          </a:bodyPr>
+          <a:lstStyle/>
+          <a:p>
+            <a:pPr algn="ctr"/>
+            <a:endParaRPr lang="en-US"/>
+          </a:p>
+        </p:txBody>
+      </p:sp>
+      <p:pic>
+        <p:nvPicPr>
+          <p:cNvPr id="4" name="Image 3">
+            <a:extLst>
+              <a:ext uri="{FF2B5EF4-FFF2-40B4-BE49-F238E27FC236}">
+                <a16:creationId xmlns:a16="http://schemas.microsoft.com/office/drawing/2014/main" id="{74498303-2CAA-4E7F-85B5-3CEB720E2517}"/>
+              </a:ext>
+            </a:extLst>
+          </p:cNvPr>
+          <p:cNvPicPr>
+            <a:picLocks noChangeAspect="1"/>
+          </p:cNvPicPr>
+          <p:nvPr/>
+        </p:nvPicPr>
+        <p:blipFill>
+          <a:blip r:embed="rId3"/>
+          <a:stretch>
+            <a:fillRect/>
+          </a:stretch>
+        </p:blipFill>
+        <p:spPr>
+          <a:xfrm>
+            <a:off x="429349" y="2107108"/>
+            <a:ext cx="3661831" cy="2663982"/>
+          </a:xfrm>
+          <a:prstGeom prst="rect">
+            <a:avLst/>
+          </a:prstGeom>
+        </p:spPr>
+      </p:pic>
       <p:sp>
         <p:nvSpPr>
           <p:cNvPr id="3" name="Espace réservé du contenu 2">
@@ -3841,12 +5274,376 @@
             <p:ph idx="1"/>
           </p:nvPr>
         </p:nvSpPr>
-        <p:spPr/>
-        <p:txBody>
-          <a:bodyPr/>
-          <a:lstStyle/>
-          <a:p>
-            <a:endParaRPr lang="fr-FR"/>
+        <p:spPr>
+          <a:xfrm>
+            <a:off x="6090574" y="2421682"/>
+            <a:ext cx="4977578" cy="3639289"/>
+          </a:xfrm>
+        </p:spPr>
+        <p:txBody>
+          <a:bodyPr anchor="ctr">
+            <a:normAutofit/>
+          </a:bodyPr>
+          <a:lstStyle/>
+          <a:p>
+            <a:r>
+              <a:rPr lang="fr-FR" sz="2000" dirty="0">
+                <a:solidFill>
+                  <a:srgbClr val="000000"/>
+                </a:solidFill>
+              </a:rPr>
+              <a:t>J’ai aussi utilisé une </a:t>
+            </a:r>
+            <a:r>
+              <a:rPr lang="fr-FR" sz="2000" dirty="0" err="1">
+                <a:solidFill>
+                  <a:srgbClr val="000000"/>
+                </a:solidFill>
+              </a:rPr>
+              <a:t>heatmap</a:t>
+            </a:r>
+            <a:r>
+              <a:rPr lang="fr-FR" sz="2000" dirty="0">
+                <a:solidFill>
+                  <a:srgbClr val="000000"/>
+                </a:solidFill>
+              </a:rPr>
+              <a:t> de </a:t>
+            </a:r>
+            <a:r>
+              <a:rPr lang="fr-FR" sz="2000" dirty="0" err="1">
+                <a:solidFill>
+                  <a:srgbClr val="000000"/>
+                </a:solidFill>
+              </a:rPr>
+              <a:t>seaborn</a:t>
+            </a:r>
+            <a:r>
+              <a:rPr lang="fr-FR" sz="2000" dirty="0">
+                <a:solidFill>
+                  <a:srgbClr val="000000"/>
+                </a:solidFill>
+              </a:rPr>
+              <a:t> pour vérifier si il n’y avait pas de valeur nulle.</a:t>
+            </a:r>
+          </a:p>
+          <a:p>
+            <a:r>
+              <a:rPr lang="fr-FR" sz="2000" dirty="0">
+                <a:solidFill>
+                  <a:srgbClr val="000000"/>
+                </a:solidFill>
+              </a:rPr>
+              <a:t>Puis j’ai effectué sur plusieurs variables un </a:t>
+            </a:r>
+            <a:r>
+              <a:rPr lang="fr-FR" sz="2000" dirty="0" err="1">
+                <a:solidFill>
+                  <a:srgbClr val="000000"/>
+                </a:solidFill>
+              </a:rPr>
+              <a:t>joinplot</a:t>
+            </a:r>
+            <a:r>
+              <a:rPr lang="fr-FR" sz="2000" dirty="0">
+                <a:solidFill>
+                  <a:srgbClr val="000000"/>
+                </a:solidFill>
+              </a:rPr>
+              <a:t> de </a:t>
+            </a:r>
+            <a:r>
+              <a:rPr lang="fr-FR" sz="2000" dirty="0" err="1">
+                <a:solidFill>
+                  <a:srgbClr val="000000"/>
+                </a:solidFill>
+              </a:rPr>
+              <a:t>seaborn</a:t>
+            </a:r>
+            <a:r>
+              <a:rPr lang="fr-FR" sz="2000" dirty="0">
+                <a:solidFill>
+                  <a:srgbClr val="000000"/>
+                </a:solidFill>
+              </a:rPr>
+              <a:t> pour mieux comprendre l’utilité des variables.</a:t>
+            </a:r>
+          </a:p>
+          <a:p>
+            <a:r>
+              <a:rPr lang="fr-FR" sz="2000" dirty="0">
+                <a:solidFill>
+                  <a:srgbClr val="000000"/>
+                </a:solidFill>
+              </a:rPr>
+              <a:t>J’ai aussi ajouté une colonne avec le nom des classes pour une meilleur lisibilité</a:t>
+            </a:r>
+          </a:p>
+          <a:p>
+            <a:endParaRPr lang="fr-FR" sz="2000" dirty="0">
+              <a:solidFill>
+                <a:srgbClr val="000000"/>
+              </a:solidFill>
+            </a:endParaRPr>
+          </a:p>
+        </p:txBody>
+      </p:sp>
+    </p:spTree>
+    <p:extLst>
+      <p:ext uri="{BB962C8B-B14F-4D97-AF65-F5344CB8AC3E}">
+        <p14:creationId xmlns:p14="http://schemas.microsoft.com/office/powerpoint/2010/main" val="1575546330"/>
+      </p:ext>
+    </p:extLst>
+  </p:cSld>
+  <p:clrMapOvr>
+    <a:masterClrMapping/>
+  </p:clrMapOvr>
+</p:sld>
+</file>
+
+<file path=ppt/slides/slide7.xml><?xml version="1.0" encoding="utf-8"?>
+<p:sld xmlns:a="http://schemas.openxmlformats.org/drawingml/2006/main" xmlns:r="http://schemas.openxmlformats.org/officeDocument/2006/relationships" xmlns:p="http://schemas.openxmlformats.org/presentationml/2006/main">
+  <p:cSld>
+    <p:bg>
+      <p:bgPr>
+        <a:solidFill>
+          <a:schemeClr val="bg1"/>
+        </a:solidFill>
+        <a:effectLst/>
+      </p:bgPr>
+    </p:bg>
+    <p:spTree>
+      <p:nvGrpSpPr>
+        <p:cNvPr id="1" name=""/>
+        <p:cNvGrpSpPr/>
+        <p:nvPr/>
+      </p:nvGrpSpPr>
+      <p:grpSpPr>
+        <a:xfrm>
+          <a:off x="0" y="0"/>
+          <a:ext cx="0" cy="0"/>
+          <a:chOff x="0" y="0"/>
+          <a:chExt cx="0" cy="0"/>
+        </a:xfrm>
+      </p:grpSpPr>
+      <p:sp>
+        <p:nvSpPr>
+          <p:cNvPr id="8" name="Rectangle 7">
+            <a:extLst>
+              <a:ext uri="{FF2B5EF4-FFF2-40B4-BE49-F238E27FC236}">
+                <a16:creationId xmlns:a16="http://schemas.microsoft.com/office/drawing/2014/main" id="{4351DFE5-F63D-4BE0-BDA9-E3EB88F01AA5}"/>
+              </a:ext>
+              <a:ext uri="{C183D7F6-B498-43B3-948B-1728B52AA6E4}">
+                <adec:decorative xmlns:adec="http://schemas.microsoft.com/office/drawing/2017/decorative" val="1"/>
+              </a:ext>
+            </a:extLst>
+          </p:cNvPr>
+          <p:cNvSpPr>
+            <a:spLocks noGrp="1" noRot="1" noChangeAspect="1" noMove="1" noResize="1" noEditPoints="1" noAdjustHandles="1" noChangeArrowheads="1" noChangeShapeType="1" noTextEdit="1"/>
+          </p:cNvSpPr>
+          <p:nvPr>
+            <p:extLst>
+              <p:ext uri="{386F3935-93C4-4BCD-93E2-E3B085C9AB24}">
+                <p16:designElem xmlns:p16="http://schemas.microsoft.com/office/powerpoint/2015/main" val="1"/>
+              </p:ext>
+            </p:extLst>
+          </p:nvPr>
+        </p:nvSpPr>
+        <p:spPr>
+          <a:xfrm>
+            <a:off x="355601" y="0"/>
+            <a:ext cx="11480494" cy="2753936"/>
+          </a:xfrm>
+          <a:prstGeom prst="rect">
+            <a:avLst/>
+          </a:prstGeom>
+          <a:gradFill>
+            <a:gsLst>
+              <a:gs pos="0">
+                <a:schemeClr val="accent4"/>
+              </a:gs>
+              <a:gs pos="25000">
+                <a:schemeClr val="accent4"/>
+              </a:gs>
+              <a:gs pos="94000">
+                <a:schemeClr val="accent2"/>
+              </a:gs>
+              <a:gs pos="100000">
+                <a:schemeClr val="accent2"/>
+              </a:gs>
+            </a:gsLst>
+            <a:lin ang="4200000" scaled="0"/>
+          </a:gradFill>
+          <a:ln>
+            <a:noFill/>
+          </a:ln>
+        </p:spPr>
+        <p:style>
+          <a:lnRef idx="2">
+            <a:schemeClr val="accent1">
+              <a:shade val="50000"/>
+            </a:schemeClr>
+          </a:lnRef>
+          <a:fillRef idx="1">
+            <a:schemeClr val="accent1"/>
+          </a:fillRef>
+          <a:effectRef idx="0">
+            <a:schemeClr val="accent1"/>
+          </a:effectRef>
+          <a:fontRef idx="minor">
+            <a:schemeClr val="lt1"/>
+          </a:fontRef>
+        </p:style>
+        <p:txBody>
+          <a:bodyPr rtlCol="0" anchor="ctr"/>
+          <a:lstStyle/>
+          <a:p>
+            <a:pPr algn="ctr"/>
+            <a:endParaRPr lang="en-US"/>
+          </a:p>
+        </p:txBody>
+      </p:sp>
+      <p:pic>
+        <p:nvPicPr>
+          <p:cNvPr id="10" name="Picture 9">
+            <a:extLst>
+              <a:ext uri="{FF2B5EF4-FFF2-40B4-BE49-F238E27FC236}">
+                <a16:creationId xmlns:a16="http://schemas.microsoft.com/office/drawing/2014/main" id="{3AA16612-ACD2-4A16-8F2B-4514FD6BF28F}"/>
+              </a:ext>
+              <a:ext uri="{C183D7F6-B498-43B3-948B-1728B52AA6E4}">
+                <adec:decorative xmlns:adec="http://schemas.microsoft.com/office/drawing/2017/decorative" val="1"/>
+              </a:ext>
+            </a:extLst>
+          </p:cNvPr>
+          <p:cNvPicPr>
+            <a:picLocks noGrp="1" noRot="1" noChangeAspect="1" noMove="1" noResize="1" noEditPoints="1" noAdjustHandles="1" noChangeArrowheads="1" noChangeShapeType="1" noCrop="1"/>
+          </p:cNvPicPr>
+          <p:nvPr>
+            <p:extLst>
+              <p:ext uri="{386F3935-93C4-4BCD-93E2-E3B085C9AB24}">
+                <p16:designElem xmlns:p16="http://schemas.microsoft.com/office/powerpoint/2015/main" val="1"/>
+              </p:ext>
+            </p:extLst>
+          </p:nvPr>
+        </p:nvPicPr>
+        <p:blipFill>
+          <a:blip r:embed="rId2">
+            <a:extLst>
+              <a:ext uri="{28A0092B-C50C-407E-A947-70E740481C1C}">
+                <a14:useLocalDpi xmlns:a14="http://schemas.microsoft.com/office/drawing/2010/main" val="0"/>
+              </a:ext>
+            </a:extLst>
+          </a:blip>
+          <a:stretch>
+            <a:fillRect/>
+          </a:stretch>
+        </p:blipFill>
+        <p:spPr>
+          <a:xfrm>
+            <a:off x="0" y="0"/>
+            <a:ext cx="12192000" cy="6858000"/>
+          </a:xfrm>
+          <a:prstGeom prst="rect">
+            <a:avLst/>
+          </a:prstGeom>
+        </p:spPr>
+      </p:pic>
+      <p:sp>
+        <p:nvSpPr>
+          <p:cNvPr id="2" name="Titre 1">
+            <a:extLst>
+              <a:ext uri="{FF2B5EF4-FFF2-40B4-BE49-F238E27FC236}">
+                <a16:creationId xmlns:a16="http://schemas.microsoft.com/office/drawing/2014/main" id="{CEFF634F-0CA0-4EAF-8154-8DCB19E04C00}"/>
+              </a:ext>
+            </a:extLst>
+          </p:cNvPr>
+          <p:cNvSpPr>
+            <a:spLocks noGrp="1"/>
+          </p:cNvSpPr>
+          <p:nvPr>
+            <p:ph type="title"/>
+          </p:nvPr>
+        </p:nvSpPr>
+        <p:spPr>
+          <a:xfrm>
+            <a:off x="1179226" y="826680"/>
+            <a:ext cx="9833548" cy="1325563"/>
+          </a:xfrm>
+        </p:spPr>
+        <p:txBody>
+          <a:bodyPr>
+            <a:normAutofit/>
+          </a:bodyPr>
+          <a:lstStyle/>
+          <a:p>
+            <a:pPr algn="ctr"/>
+            <a:r>
+              <a:rPr lang="fr-FR" sz="4000" dirty="0">
+                <a:solidFill>
+                  <a:srgbClr val="FFFFFF"/>
+                </a:solidFill>
+              </a:rPr>
+              <a:t>Résultats et faisabilité</a:t>
+            </a:r>
+          </a:p>
+        </p:txBody>
+      </p:sp>
+      <p:sp>
+        <p:nvSpPr>
+          <p:cNvPr id="3" name="Espace réservé du contenu 2">
+            <a:extLst>
+              <a:ext uri="{FF2B5EF4-FFF2-40B4-BE49-F238E27FC236}">
+                <a16:creationId xmlns:a16="http://schemas.microsoft.com/office/drawing/2014/main" id="{8C48E145-822D-4985-915C-E81D4B6BC438}"/>
+              </a:ext>
+            </a:extLst>
+          </p:cNvPr>
+          <p:cNvSpPr>
+            <a:spLocks noGrp="1"/>
+          </p:cNvSpPr>
+          <p:nvPr>
+            <p:ph idx="1"/>
+          </p:nvPr>
+        </p:nvSpPr>
+        <p:spPr>
+          <a:xfrm>
+            <a:off x="1179226" y="3092970"/>
+            <a:ext cx="9833548" cy="2693976"/>
+          </a:xfrm>
+        </p:spPr>
+        <p:txBody>
+          <a:bodyPr>
+            <a:normAutofit/>
+          </a:bodyPr>
+          <a:lstStyle/>
+          <a:p>
+            <a:r>
+              <a:rPr lang="fr-FR" sz="2000" dirty="0">
+                <a:solidFill>
+                  <a:srgbClr val="000000"/>
+                </a:solidFill>
+              </a:rPr>
+              <a:t>D’après les résultats des modèles d’entrainement que j’ai produit ci-dessus, on obtient un score de près de 95% de succès à déterminer la posture de la personne. </a:t>
+            </a:r>
+          </a:p>
+          <a:p>
+            <a:r>
+              <a:rPr lang="fr-FR" sz="2000" dirty="0">
+                <a:solidFill>
+                  <a:srgbClr val="000000"/>
+                </a:solidFill>
+              </a:rPr>
+              <a:t>Pour des besoins de type aide à la personne et application sportive je pense que c’est un résultat tout a fait satisfaisant qui permettrait d’utiliser ces modèles pour les mettre en production. Et donc de pouvoir faciliter la vie de ces personnes.</a:t>
+            </a:r>
+          </a:p>
+          <a:p>
+            <a:r>
+              <a:rPr lang="fr-FR" sz="2000" dirty="0">
+                <a:solidFill>
+                  <a:srgbClr val="000000"/>
+                </a:solidFill>
+              </a:rPr>
+              <a:t>Une fois le modèle entrainé il est facile de l’inclure dans des logiciels et applications diverse, il ne prend pas beaucoup de place et est rapide à produire un résultat. Il est donc tout a fait envisageable de créer les projets d’aide à la personne et de suivis sportif.</a:t>
+            </a:r>
           </a:p>
         </p:txBody>
       </p:sp>
